--- a/dokumentasi_git.pptx
+++ b/dokumentasi_git.pptx
@@ -104,6 +104,11 @@
       </a:defRPr>
     </a:lvl9pPr>
   </p:defaultTextStyle>
+  <p:extLst>
+    <p:ext uri="{EFAFB233-063F-42B5-8137-9DF3F51BA10A}">
+      <p15:sldGuideLst xmlns:p15="http://schemas.microsoft.com/office/powerpoint/2012/main"/>
+    </p:ext>
+  </p:extLst>
 </p:presentation>
 </file>
 
@@ -419,7 +424,7 @@
             <a:round/>
             <a:extLst>
               <a:ext uri="{C807C97D-BFC1-408E-A445-0C87EB9F89A2}">
-                <ask:lineSketchStyleProps xmlns="" xmlns:ask="http://schemas.microsoft.com/office/drawing/2018/sketchyshapes" sd="1219033472">
+                <ask:lineSketchStyleProps xmlns:ask="http://schemas.microsoft.com/office/drawing/2018/sketchyshapes" xmlns="" sd="1219033472">
                   <a:prstGeom prst="rect">
                     <a:avLst/>
                   </a:prstGeom>
@@ -1875,7 +1880,7 @@
             <a:round/>
             <a:extLst>
               <a:ext uri="{C807C97D-BFC1-408E-A445-0C87EB9F89A2}">
-                <ask:lineSketchStyleProps xmlns="" xmlns:ask="http://schemas.microsoft.com/office/drawing/2018/sketchyshapes" sd="1219033472">
+                <ask:lineSketchStyleProps xmlns:ask="http://schemas.microsoft.com/office/drawing/2018/sketchyshapes" xmlns="" sd="1219033472">
                   <a:prstGeom prst="rect">
                     <a:avLst/>
                   </a:prstGeom>
@@ -2491,7 +2496,7 @@
             <a:round/>
             <a:extLst>
               <a:ext uri="{C807C97D-BFC1-408E-A445-0C87EB9F89A2}">
-                <ask:lineSketchStyleProps xmlns="" xmlns:ask="http://schemas.microsoft.com/office/drawing/2018/sketchyshapes" sd="1219033472">
+                <ask:lineSketchStyleProps xmlns:ask="http://schemas.microsoft.com/office/drawing/2018/sketchyshapes" xmlns="" sd="1219033472">
                   <a:prstGeom prst="rect">
                     <a:avLst/>
                   </a:prstGeom>
@@ -3390,7 +3395,7 @@
             <a:round/>
             <a:extLst>
               <a:ext uri="{C807C97D-BFC1-408E-A445-0C87EB9F89A2}">
-                <ask:lineSketchStyleProps xmlns="" xmlns:ask="http://schemas.microsoft.com/office/drawing/2018/sketchyshapes" sd="1219033472">
+                <ask:lineSketchStyleProps xmlns:ask="http://schemas.microsoft.com/office/drawing/2018/sketchyshapes" xmlns="" sd="1219033472">
                   <a:prstGeom prst="rect">
                     <a:avLst/>
                   </a:prstGeom>
@@ -4439,7 +4444,7 @@
             <a:round/>
             <a:extLst>
               <a:ext uri="{C807C97D-BFC1-408E-A445-0C87EB9F89A2}">
-                <ask:lineSketchStyleProps xmlns="" xmlns:ask="http://schemas.microsoft.com/office/drawing/2018/sketchyshapes" sd="1219033472">
+                <ask:lineSketchStyleProps xmlns:ask="http://schemas.microsoft.com/office/drawing/2018/sketchyshapes" xmlns="" sd="1219033472">
                   <a:prstGeom prst="rect">
                     <a:avLst/>
                   </a:prstGeom>
@@ -4928,7 +4933,7 @@
             <a:round/>
             <a:extLst>
               <a:ext uri="{C807C97D-BFC1-408E-A445-0C87EB9F89A2}">
-                <ask:lineSketchStyleProps xmlns="" xmlns:ask="http://schemas.microsoft.com/office/drawing/2018/sketchyshapes" sd="1219033472">
+                <ask:lineSketchStyleProps xmlns:ask="http://schemas.microsoft.com/office/drawing/2018/sketchyshapes" xmlns="" sd="1219033472">
                   <a:prstGeom prst="rect">
                     <a:avLst/>
                   </a:prstGeom>
@@ -5694,7 +5699,7 @@
             <a:round/>
             <a:extLst>
               <a:ext uri="{C807C97D-BFC1-408E-A445-0C87EB9F89A2}">
-                <ask:lineSketchStyleProps xmlns="" xmlns:ask="http://schemas.microsoft.com/office/drawing/2018/sketchyshapes" sd="1219033472">
+                <ask:lineSketchStyleProps xmlns:ask="http://schemas.microsoft.com/office/drawing/2018/sketchyshapes" xmlns="" sd="1219033472">
                   <a:prstGeom prst="rect">
                     <a:avLst/>
                   </a:prstGeom>
@@ -6322,7 +6327,7 @@
             <a:round/>
             <a:extLst>
               <a:ext uri="{C807C97D-BFC1-408E-A445-0C87EB9F89A2}">
-                <ask:lineSketchStyleProps xmlns="" xmlns:ask="http://schemas.microsoft.com/office/drawing/2018/sketchyshapes" sd="1219033472">
+                <ask:lineSketchStyleProps xmlns:ask="http://schemas.microsoft.com/office/drawing/2018/sketchyshapes" xmlns="" sd="1219033472">
                   <a:prstGeom prst="rect">
                     <a:avLst/>
                   </a:prstGeom>
@@ -7092,10 +7097,10 @@
               <a:t>Dokumentasi</a:t>
             </a:r>
             <a:r>
-              <a:rPr lang="en-GB" sz="10800"/>
+              <a:rPr lang="en-GB" sz="10800" dirty="0"/>
               <a:t> git</a:t>
             </a:r>
-            <a:endParaRPr lang="en-ID" sz="10800"/>
+            <a:endParaRPr lang="en-ID" sz="10800" dirty="0"/>
           </a:p>
         </p:txBody>
       </p:sp>
@@ -7128,7 +7133,51 @@
           <a:lstStyle/>
           <a:p>
             <a:pPr algn="ctr"/>
-            <a:endParaRPr lang="en-ID" sz="3200"/>
+            <a:r>
+              <a:rPr lang="en-GB" sz="3200" dirty="0" err="1">
+                <a:latin typeface="Arial Black" panose="020B0A04020102020204" pitchFamily="34" charset="0"/>
+              </a:rPr>
+              <a:t>Ini</a:t>
+            </a:r>
+            <a:r>
+              <a:rPr lang="en-GB" sz="3200" dirty="0">
+                <a:latin typeface="Arial Black" panose="020B0A04020102020204" pitchFamily="34" charset="0"/>
+              </a:rPr>
+              <a:t> </a:t>
+            </a:r>
+            <a:r>
+              <a:rPr lang="en-GB" sz="3200" dirty="0" err="1">
+                <a:latin typeface="Arial Black" panose="020B0A04020102020204" pitchFamily="34" charset="0"/>
+              </a:rPr>
+              <a:t>adalah</a:t>
+            </a:r>
+            <a:r>
+              <a:rPr lang="en-GB" sz="3200" dirty="0">
+                <a:latin typeface="Arial Black" panose="020B0A04020102020204" pitchFamily="34" charset="0"/>
+              </a:rPr>
+              <a:t> </a:t>
+            </a:r>
+            <a:r>
+              <a:rPr lang="en-GB" sz="3200" dirty="0" err="1">
+                <a:latin typeface="Arial Black" panose="020B0A04020102020204" pitchFamily="34" charset="0"/>
+              </a:rPr>
+              <a:t>kalimat</a:t>
+            </a:r>
+            <a:r>
+              <a:rPr lang="en-GB" sz="3200" dirty="0">
+                <a:latin typeface="Arial Black" panose="020B0A04020102020204" pitchFamily="34" charset="0"/>
+              </a:rPr>
+              <a:t> </a:t>
+            </a:r>
+            <a:r>
+              <a:rPr lang="en-GB" sz="3200" dirty="0" err="1">
+                <a:latin typeface="Arial Black" panose="020B0A04020102020204" pitchFamily="34" charset="0"/>
+              </a:rPr>
+              <a:t>tambahan</a:t>
+            </a:r>
+            <a:endParaRPr lang="en-ID" sz="3200" dirty="0">
+              <a:latin typeface="Arial Black" panose="020B0A04020102020204" pitchFamily="34" charset="0"/>
+            </a:endParaRPr>
           </a:p>
         </p:txBody>
       </p:sp>
@@ -7438,7 +7487,7 @@
             <a:round/>
             <a:extLst>
               <a:ext uri="{C807C97D-BFC1-408E-A445-0C87EB9F89A2}">
-                <ask:lineSketchStyleProps xmlns="" xmlns:ask="http://schemas.microsoft.com/office/drawing/2018/sketchyshapes" sd="1219033472">
+                <ask:lineSketchStyleProps xmlns:ask="http://schemas.microsoft.com/office/drawing/2018/sketchyshapes" xmlns="" sd="1219033472">
                   <a:prstGeom prst="rect">
                     <a:avLst/>
                   </a:prstGeom>
